--- a/slides/09-Java异常处理.pptx
+++ b/slides/09-Java异常处理.pptx
@@ -202,54 +202,6 @@
           <pc:docMk/>
           <pc:sldMk cId="2969867650" sldId="312"/>
         </pc:sldMkLst>
-        <pc:spChg chg="mod">
-          <ac:chgData name="pdcxs" userId="f53f700a-6709-4045-8975-3edaa594be1c" providerId="ADAL" clId="{C86E0B09-D4D3-4753-AFF8-5BDB073B2E98}" dt="2024-03-25T14:53:34.317" v="83" actId="552"/>
-          <ac:spMkLst>
-            <pc:docMk/>
-            <pc:sldMk cId="2969867650" sldId="312"/>
-            <ac:spMk id="13" creationId="{A4801C5B-4F8E-43C6-AB39-A04670879C90}"/>
-          </ac:spMkLst>
-        </pc:spChg>
-        <pc:spChg chg="mod">
-          <ac:chgData name="pdcxs" userId="f53f700a-6709-4045-8975-3edaa594be1c" providerId="ADAL" clId="{C86E0B09-D4D3-4753-AFF8-5BDB073B2E98}" dt="2024-03-25T14:53:23.659" v="82" actId="1076"/>
-          <ac:spMkLst>
-            <pc:docMk/>
-            <pc:sldMk cId="2969867650" sldId="312"/>
-            <ac:spMk id="14" creationId="{00000000-0000-0000-0000-000000000000}"/>
-          </ac:spMkLst>
-        </pc:spChg>
-        <pc:spChg chg="mod">
-          <ac:chgData name="pdcxs" userId="f53f700a-6709-4045-8975-3edaa594be1c" providerId="ADAL" clId="{C86E0B09-D4D3-4753-AFF8-5BDB073B2E98}" dt="2024-03-25T14:53:36.928" v="84" actId="465"/>
-          <ac:spMkLst>
-            <pc:docMk/>
-            <pc:sldMk cId="2969867650" sldId="312"/>
-            <ac:spMk id="15" creationId="{524A0FD0-6C20-471C-9B55-6736BDA4C60F}"/>
-          </ac:spMkLst>
-        </pc:spChg>
-        <pc:spChg chg="mod">
-          <ac:chgData name="pdcxs" userId="f53f700a-6709-4045-8975-3edaa594be1c" providerId="ADAL" clId="{C86E0B09-D4D3-4753-AFF8-5BDB073B2E98}" dt="2024-03-25T14:55:57.095" v="98" actId="20577"/>
-          <ac:spMkLst>
-            <pc:docMk/>
-            <pc:sldMk cId="2969867650" sldId="312"/>
-            <ac:spMk id="16" creationId="{0366F7D1-71E0-469F-AE7F-98DDE1A5D3AD}"/>
-          </ac:spMkLst>
-        </pc:spChg>
-        <pc:spChg chg="mod">
-          <ac:chgData name="pdcxs" userId="f53f700a-6709-4045-8975-3edaa594be1c" providerId="ADAL" clId="{C86E0B09-D4D3-4753-AFF8-5BDB073B2E98}" dt="2024-03-25T15:08:12.172" v="114" actId="20577"/>
-          <ac:spMkLst>
-            <pc:docMk/>
-            <pc:sldMk cId="2969867650" sldId="312"/>
-            <ac:spMk id="17" creationId="{6D633A38-9851-4C27-A0E6-E20A35D3024B}"/>
-          </ac:spMkLst>
-        </pc:spChg>
-        <pc:spChg chg="mod">
-          <ac:chgData name="pdcxs" userId="f53f700a-6709-4045-8975-3edaa594be1c" providerId="ADAL" clId="{C86E0B09-D4D3-4753-AFF8-5BDB073B2E98}" dt="2024-03-25T15:08:18.211" v="123" actId="20577"/>
-          <ac:spMkLst>
-            <pc:docMk/>
-            <pc:sldMk cId="2969867650" sldId="312"/>
-            <ac:spMk id="18" creationId="{BCD76E15-81B7-427D-A478-5135C29E7386}"/>
-          </ac:spMkLst>
-        </pc:spChg>
       </pc:sldChg>
       <pc:sldChg chg="modSp mod">
         <pc:chgData name="pdcxs" userId="f53f700a-6709-4045-8975-3edaa594be1c" providerId="ADAL" clId="{C86E0B09-D4D3-4753-AFF8-5BDB073B2E98}" dt="2024-03-25T15:22:07.490" v="186" actId="1076"/>
@@ -257,14 +209,6 @@
           <pc:docMk/>
           <pc:sldMk cId="893941010" sldId="317"/>
         </pc:sldMkLst>
-        <pc:spChg chg="mod">
-          <ac:chgData name="pdcxs" userId="f53f700a-6709-4045-8975-3edaa594be1c" providerId="ADAL" clId="{C86E0B09-D4D3-4753-AFF8-5BDB073B2E98}" dt="2024-03-25T15:22:07.490" v="186" actId="1076"/>
-          <ac:spMkLst>
-            <pc:docMk/>
-            <pc:sldMk cId="893941010" sldId="317"/>
-            <ac:spMk id="13" creationId="{B4481FF1-0403-41EE-9013-C5FA196981F4}"/>
-          </ac:spMkLst>
-        </pc:spChg>
       </pc:sldChg>
       <pc:sldChg chg="modSp mod">
         <pc:chgData name="pdcxs" userId="f53f700a-6709-4045-8975-3edaa594be1c" providerId="ADAL" clId="{C86E0B09-D4D3-4753-AFF8-5BDB073B2E98}" dt="2024-03-25T15:18:03.675" v="161" actId="20577"/>
@@ -272,22 +216,6 @@
           <pc:docMk/>
           <pc:sldMk cId="2446239584" sldId="326"/>
         </pc:sldMkLst>
-        <pc:spChg chg="mod">
-          <ac:chgData name="pdcxs" userId="f53f700a-6709-4045-8975-3edaa594be1c" providerId="ADAL" clId="{C86E0B09-D4D3-4753-AFF8-5BDB073B2E98}" dt="2024-03-25T15:14:24.533" v="148" actId="20577"/>
-          <ac:spMkLst>
-            <pc:docMk/>
-            <pc:sldMk cId="2446239584" sldId="326"/>
-            <ac:spMk id="13" creationId="{7FE77DA3-CDDD-4CD9-AA9C-92BFAB33BAC4}"/>
-          </ac:spMkLst>
-        </pc:spChg>
-        <pc:spChg chg="mod">
-          <ac:chgData name="pdcxs" userId="f53f700a-6709-4045-8975-3edaa594be1c" providerId="ADAL" clId="{C86E0B09-D4D3-4753-AFF8-5BDB073B2E98}" dt="2024-03-25T15:18:03.675" v="161" actId="20577"/>
-          <ac:spMkLst>
-            <pc:docMk/>
-            <pc:sldMk cId="2446239584" sldId="326"/>
-            <ac:spMk id="15" creationId="{76A65282-FEF1-4C3D-AFC6-CB42A45CBE17}"/>
-          </ac:spMkLst>
-        </pc:spChg>
       </pc:sldChg>
       <pc:sldChg chg="modSp mod">
         <pc:chgData name="pdcxs" userId="f53f700a-6709-4045-8975-3edaa594be1c" providerId="ADAL" clId="{C86E0B09-D4D3-4753-AFF8-5BDB073B2E98}" dt="2024-03-25T15:28:56.390" v="221" actId="20577"/>
@@ -295,14 +223,6 @@
           <pc:docMk/>
           <pc:sldMk cId="427924429" sldId="327"/>
         </pc:sldMkLst>
-        <pc:spChg chg="mod">
-          <ac:chgData name="pdcxs" userId="f53f700a-6709-4045-8975-3edaa594be1c" providerId="ADAL" clId="{C86E0B09-D4D3-4753-AFF8-5BDB073B2E98}" dt="2024-03-25T15:28:56.390" v="221" actId="20577"/>
-          <ac:spMkLst>
-            <pc:docMk/>
-            <pc:sldMk cId="427924429" sldId="327"/>
-            <ac:spMk id="15" creationId="{3BF3778D-7B40-4394-89B7-9FCE646C021E}"/>
-          </ac:spMkLst>
-        </pc:spChg>
       </pc:sldChg>
       <pc:sldChg chg="modSp mod">
         <pc:chgData name="pdcxs" userId="f53f700a-6709-4045-8975-3edaa594be1c" providerId="ADAL" clId="{C86E0B09-D4D3-4753-AFF8-5BDB073B2E98}" dt="2024-03-25T15:24:33.718" v="204" actId="20577"/>
@@ -310,14 +230,6 @@
           <pc:docMk/>
           <pc:sldMk cId="4060942392" sldId="337"/>
         </pc:sldMkLst>
-        <pc:spChg chg="mod">
-          <ac:chgData name="pdcxs" userId="f53f700a-6709-4045-8975-3edaa594be1c" providerId="ADAL" clId="{C86E0B09-D4D3-4753-AFF8-5BDB073B2E98}" dt="2024-03-25T15:24:33.718" v="204" actId="20577"/>
-          <ac:spMkLst>
-            <pc:docMk/>
-            <pc:sldMk cId="4060942392" sldId="337"/>
-            <ac:spMk id="13" creationId="{4C1C00FC-51CF-4481-923F-5B3DA58B2242}"/>
-          </ac:spMkLst>
-        </pc:spChg>
       </pc:sldChg>
     </pc:docChg>
   </pc:docChgLst>
@@ -357,12 +269,28 @@
           <pc:docMk/>
           <pc:sldMk cId="753176371" sldId="306"/>
         </pc:sldMkLst>
+      </pc:sldChg>
+    </pc:docChg>
+  </pc:docChgLst>
+  <pc:docChgLst>
+    <pc:chgData name="pdcxs" userId="f53f700a-6709-4045-8975-3edaa594be1c" providerId="ADAL" clId="{E569AB96-2C2C-4767-A1A8-8E8B758EE9BA}"/>
+    <pc:docChg chg="modSld">
+      <pc:chgData name="pdcxs" userId="f53f700a-6709-4045-8975-3edaa594be1c" providerId="ADAL" clId="{E569AB96-2C2C-4767-A1A8-8E8B758EE9BA}" dt="2025-04-14T12:13:36.140" v="0"/>
+      <pc:docMkLst>
+        <pc:docMk/>
+      </pc:docMkLst>
+      <pc:sldChg chg="modSp mod">
+        <pc:chgData name="pdcxs" userId="f53f700a-6709-4045-8975-3edaa594be1c" providerId="ADAL" clId="{E569AB96-2C2C-4767-A1A8-8E8B758EE9BA}" dt="2025-04-14T12:13:36.140" v="0"/>
+        <pc:sldMkLst>
+          <pc:docMk/>
+          <pc:sldMk cId="1171192442" sldId="338"/>
+        </pc:sldMkLst>
         <pc:spChg chg="mod">
-          <ac:chgData name="pdcxs" userId="f53f700a-6709-4045-8975-3edaa594be1c" providerId="ADAL" clId="{BEF43B84-5E60-4599-904E-1B3DFA99D2C1}" dt="2023-03-09T01:56:11.894" v="6" actId="20577"/>
+          <ac:chgData name="pdcxs" userId="f53f700a-6709-4045-8975-3edaa594be1c" providerId="ADAL" clId="{E569AB96-2C2C-4767-A1A8-8E8B758EE9BA}" dt="2025-04-14T12:13:36.140" v="0"/>
           <ac:spMkLst>
             <pc:docMk/>
-            <pc:sldMk cId="753176371" sldId="306"/>
-            <ac:spMk id="19" creationId="{00000000-0000-0000-0000-000000000000}"/>
+            <pc:sldMk cId="1171192442" sldId="338"/>
+            <ac:spMk id="21" creationId="{00000000-0000-0000-0000-000000000000}"/>
           </ac:spMkLst>
         </pc:spChg>
       </pc:sldChg>
@@ -480,7 +408,7 @@
               <a:pPr>
                 <a:defRPr/>
               </a:pPr>
-              <a:t>2024/3/25</a:t>
+              <a:t>2025/4/14</a:t>
             </a:fld>
             <a:endParaRPr lang="zh-CN" altLang="en-US"/>
           </a:p>
@@ -3328,7 +3256,7 @@
               <a:pPr>
                 <a:defRPr/>
               </a:pPr>
-              <a:t>2024/3/25</a:t>
+              <a:t>2025/4/14</a:t>
             </a:fld>
             <a:endParaRPr lang="zh-CN" altLang="en-US"/>
           </a:p>
@@ -3669,7 +3597,7 @@
               <a:pPr>
                 <a:defRPr/>
               </a:pPr>
-              <a:t>2024/3/25</a:t>
+              <a:t>2025/4/14</a:t>
             </a:fld>
             <a:endParaRPr lang="zh-CN" altLang="en-US"/>
           </a:p>
@@ -3932,7 +3860,7 @@
               <a:pPr>
                 <a:defRPr/>
               </a:pPr>
-              <a:t>2024/3/25</a:t>
+              <a:t>2025/4/14</a:t>
             </a:fld>
             <a:endParaRPr lang="zh-CN" altLang="en-US"/>
           </a:p>
@@ -4195,7 +4123,7 @@
               <a:pPr>
                 <a:defRPr/>
               </a:pPr>
-              <a:t>2024/3/25</a:t>
+              <a:t>2025/4/14</a:t>
             </a:fld>
             <a:endParaRPr lang="zh-CN" altLang="en-US"/>
           </a:p>
@@ -4503,7 +4431,7 @@
           <a:p>
             <a:fld id="{727B9DD9-119C-4B8D-B3AB-3CFC6AE69930}" type="datetimeFigureOut">
               <a:rPr lang="zh-CN" altLang="en-US" smtClean="0"/>
-              <a:t>2024/3/25</a:t>
+              <a:t>2025/4/14</a:t>
             </a:fld>
             <a:endParaRPr lang="zh-CN" altLang="en-US"/>
           </a:p>
@@ -4583,7 +4511,7 @@
         <p:random/>
       </p:transition>
     </mc:Choice>
-    <mc:Fallback xmlns:p15="http://schemas.microsoft.com/office/powerpoint/2012/main" xmlns="">
+    <mc:Fallback xmlns="" xmlns:p15="http://schemas.microsoft.com/office/powerpoint/2012/main">
       <p:transition spd="slow" advClick="0">
         <p:random/>
       </p:transition>
@@ -5865,7 +5793,7 @@
               <a:pPr>
                 <a:defRPr/>
               </a:pPr>
-              <a:t>2024/3/25</a:t>
+              <a:t>2025/4/14</a:t>
             </a:fld>
             <a:endParaRPr lang="zh-CN" altLang="en-US"/>
           </a:p>
@@ -6383,7 +6311,7 @@
               <a:pPr>
                 <a:defRPr/>
               </a:pPr>
-              <a:t>2024/3/25</a:t>
+              <a:t>2025/4/14</a:t>
             </a:fld>
             <a:endParaRPr lang="zh-CN" altLang="en-US"/>
           </a:p>
@@ -6587,7 +6515,7 @@
               <a:pPr>
                 <a:defRPr/>
               </a:pPr>
-              <a:t>2024/3/25</a:t>
+              <a:t>2025/4/14</a:t>
             </a:fld>
             <a:endParaRPr lang="zh-CN" altLang="en-US"/>
           </a:p>
@@ -6761,7 +6689,7 @@
               <a:pPr>
                 <a:defRPr/>
               </a:pPr>
-              <a:t>2024/3/25</a:t>
+              <a:t>2025/4/14</a:t>
             </a:fld>
             <a:endParaRPr lang="zh-CN" altLang="en-US"/>
           </a:p>
@@ -7447,8 +7375,8 @@
         </p:nvSpPr>
         <p:spPr>
           <a:xfrm>
-            <a:off x="4307104" y="3583212"/>
-            <a:ext cx="3793288" cy="288512"/>
+            <a:off x="5312187" y="3583212"/>
+            <a:ext cx="1783122" cy="288512"/>
           </a:xfrm>
           <a:prstGeom prst="rect">
             <a:avLst/>
@@ -7473,7 +7401,7 @@
                 <a:latin typeface="微软雅黑" pitchFamily="34" charset="-122"/>
                 <a:ea typeface="微软雅黑" pitchFamily="34" charset="-122"/>
               </a:rPr>
-              <a:t>学院：计算机科学与技术学院（大数据学院）</a:t>
+              <a:t>学院：人工智能学院</a:t>
             </a:r>
             <a:endParaRPr lang="en-US" altLang="zh-CN" sz="1425" dirty="0">
               <a:solidFill>
@@ -7621,7 +7549,7 @@
         <p:blinds dir="vert"/>
       </p:transition>
     </mc:Choice>
-    <mc:Fallback xmlns="" xmlns:p15="http://schemas.microsoft.com/office/powerpoint/2012/main">
+    <mc:Fallback xmlns:p15="http://schemas.microsoft.com/office/powerpoint/2012/main" xmlns="">
       <p:transition spd="slow" advClick="0">
         <p:blinds dir="vert"/>
       </p:transition>
@@ -9323,7 +9251,7 @@
         <p:blinds dir="vert"/>
       </p:transition>
     </mc:Choice>
-    <mc:Fallback xmlns:p15="http://schemas.microsoft.com/office/powerpoint/2012/main" xmlns="">
+    <mc:Fallback xmlns="" xmlns:p15="http://schemas.microsoft.com/office/powerpoint/2012/main">
       <p:transition spd="slow" advClick="0">
         <p:blinds dir="vert"/>
       </p:transition>
@@ -10142,7 +10070,7 @@
         <p:blinds dir="vert"/>
       </p:transition>
     </mc:Choice>
-    <mc:Fallback xmlns:p15="http://schemas.microsoft.com/office/powerpoint/2012/main" xmlns="">
+    <mc:Fallback xmlns="" xmlns:p15="http://schemas.microsoft.com/office/powerpoint/2012/main">
       <p:transition spd="slow" advClick="0">
         <p:blinds dir="vert"/>
       </p:transition>
@@ -10857,7 +10785,7 @@
         <p:blinds dir="vert"/>
       </p:transition>
     </mc:Choice>
-    <mc:Fallback xmlns:p15="http://schemas.microsoft.com/office/powerpoint/2012/main" xmlns="">
+    <mc:Fallback xmlns="" xmlns:p15="http://schemas.microsoft.com/office/powerpoint/2012/main">
       <p:transition spd="slow" advClick="0">
         <p:blinds dir="vert"/>
       </p:transition>
@@ -11757,7 +11685,7 @@
         <p:blinds dir="vert"/>
       </p:transition>
     </mc:Choice>
-    <mc:Fallback xmlns:p15="http://schemas.microsoft.com/office/powerpoint/2012/main" xmlns="">
+    <mc:Fallback xmlns="" xmlns:p15="http://schemas.microsoft.com/office/powerpoint/2012/main">
       <p:transition spd="slow" advClick="0">
         <p:blinds dir="vert"/>
       </p:transition>
@@ -12649,7 +12577,7 @@
         <p:blinds dir="vert"/>
       </p:transition>
     </mc:Choice>
-    <mc:Fallback xmlns:p15="http://schemas.microsoft.com/office/powerpoint/2012/main" xmlns="">
+    <mc:Fallback xmlns="" xmlns:p15="http://schemas.microsoft.com/office/powerpoint/2012/main">
       <p:transition spd="slow" advClick="0">
         <p:blinds dir="vert"/>
       </p:transition>
@@ -13313,7 +13241,7 @@
         <p:blinds dir="vert"/>
       </p:transition>
     </mc:Choice>
-    <mc:Fallback xmlns:p15="http://schemas.microsoft.com/office/powerpoint/2012/main" xmlns="">
+    <mc:Fallback xmlns="" xmlns:p15="http://schemas.microsoft.com/office/powerpoint/2012/main">
       <p:transition spd="slow" advClick="0">
         <p:blinds dir="vert"/>
       </p:transition>
@@ -14028,7 +13956,7 @@
         <p:blinds dir="vert"/>
       </p:transition>
     </mc:Choice>
-    <mc:Fallback xmlns:p15="http://schemas.microsoft.com/office/powerpoint/2012/main" xmlns="">
+    <mc:Fallback xmlns="" xmlns:p15="http://schemas.microsoft.com/office/powerpoint/2012/main">
       <p:transition spd="slow" advClick="0">
         <p:blinds dir="vert"/>
       </p:transition>
@@ -14976,7 +14904,7 @@
         <p:blinds dir="vert"/>
       </p:transition>
     </mc:Choice>
-    <mc:Fallback xmlns:p15="http://schemas.microsoft.com/office/powerpoint/2012/main" xmlns="">
+    <mc:Fallback xmlns="" xmlns:p15="http://schemas.microsoft.com/office/powerpoint/2012/main">
       <p:transition spd="slow" advClick="0">
         <p:blinds dir="vert"/>
       </p:transition>
@@ -15780,7 +15708,7 @@
         <p:blinds dir="vert"/>
       </p:transition>
     </mc:Choice>
-    <mc:Fallback xmlns:p15="http://schemas.microsoft.com/office/powerpoint/2012/main" xmlns="">
+    <mc:Fallback xmlns="" xmlns:p15="http://schemas.microsoft.com/office/powerpoint/2012/main">
       <p:transition spd="slow" advClick="0">
         <p:blinds dir="vert"/>
       </p:transition>
@@ -18651,7 +18579,7 @@
         <p14:prism/>
       </p:transition>
     </mc:Choice>
-    <mc:Fallback xmlns:p15="http://schemas.microsoft.com/office/powerpoint/2012/main" xmlns="">
+    <mc:Fallback xmlns="" xmlns:p15="http://schemas.microsoft.com/office/powerpoint/2012/main">
       <p:transition spd="slow" advClick="0">
         <p:fade/>
       </p:transition>
@@ -19563,7 +19491,7 @@
         <p:blinds dir="vert"/>
       </p:transition>
     </mc:Choice>
-    <mc:Fallback xmlns:p15="http://schemas.microsoft.com/office/powerpoint/2012/main" xmlns="">
+    <mc:Fallback xmlns="" xmlns:p15="http://schemas.microsoft.com/office/powerpoint/2012/main">
       <p:transition spd="slow" advClick="0">
         <p:blinds dir="vert"/>
       </p:transition>
@@ -20560,7 +20488,7 @@
         <p:blinds dir="vert"/>
       </p:transition>
     </mc:Choice>
-    <mc:Fallback xmlns:p15="http://schemas.microsoft.com/office/powerpoint/2012/main" xmlns="">
+    <mc:Fallback xmlns="" xmlns:p15="http://schemas.microsoft.com/office/powerpoint/2012/main">
       <p:transition spd="slow" advClick="0">
         <p:blinds dir="vert"/>
       </p:transition>
@@ -21459,7 +21387,7 @@
         <p:blinds dir="vert"/>
       </p:transition>
     </mc:Choice>
-    <mc:Fallback xmlns:p15="http://schemas.microsoft.com/office/powerpoint/2012/main" xmlns="">
+    <mc:Fallback xmlns="" xmlns:p15="http://schemas.microsoft.com/office/powerpoint/2012/main">
       <p:transition spd="slow" advClick="0">
         <p:blinds dir="vert"/>
       </p:transition>
@@ -22378,7 +22306,7 @@
         <p:blinds dir="vert"/>
       </p:transition>
     </mc:Choice>
-    <mc:Fallback xmlns:p15="http://schemas.microsoft.com/office/powerpoint/2012/main" xmlns="">
+    <mc:Fallback xmlns="" xmlns:p15="http://schemas.microsoft.com/office/powerpoint/2012/main">
       <p:transition spd="slow" advClick="0">
         <p:blinds dir="vert"/>
       </p:transition>
@@ -23912,7 +23840,7 @@
         <p:blinds dir="vert"/>
       </p:transition>
     </mc:Choice>
-    <mc:Fallback xmlns:p15="http://schemas.microsoft.com/office/powerpoint/2012/main" xmlns="">
+    <mc:Fallback xmlns="" xmlns:p15="http://schemas.microsoft.com/office/powerpoint/2012/main">
       <p:transition spd="slow" advClick="0">
         <p:blinds dir="vert"/>
       </p:transition>
@@ -24203,7 +24131,7 @@
     <mc:Choice Requires="p14">
       <p:transition spd="slow" p14:dur="2000" advClick="0"/>
     </mc:Choice>
-    <mc:Fallback xmlns:p15="http://schemas.microsoft.com/office/powerpoint/2012/main" xmlns="">
+    <mc:Fallback xmlns="" xmlns:p15="http://schemas.microsoft.com/office/powerpoint/2012/main">
       <p:transition spd="slow" advClick="0"/>
     </mc:Fallback>
   </mc:AlternateContent>
@@ -26525,7 +26453,7 @@
         <p:blinds dir="vert"/>
       </p:transition>
     </mc:Choice>
-    <mc:Fallback xmlns:p15="http://schemas.microsoft.com/office/powerpoint/2012/main" xmlns="">
+    <mc:Fallback xmlns="" xmlns:p15="http://schemas.microsoft.com/office/powerpoint/2012/main">
       <p:transition spd="slow" advClick="0">
         <p:blinds dir="vert"/>
       </p:transition>
@@ -27182,7 +27110,7 @@
         <p:blinds dir="vert"/>
       </p:transition>
     </mc:Choice>
-    <mc:Fallback xmlns:p15="http://schemas.microsoft.com/office/powerpoint/2012/main" xmlns="">
+    <mc:Fallback xmlns="" xmlns:p15="http://schemas.microsoft.com/office/powerpoint/2012/main">
       <p:transition spd="slow" advClick="0">
         <p:blinds dir="vert"/>
       </p:transition>
